--- a/workshop.pptx
+++ b/workshop.pptx
@@ -4829,11 +4829,15 @@
           <a:p>
             <a:r>
               <a:rPr lang="en-US" dirty="0" smtClean="0"/>
-              <a:t>Review of </a:t>
-            </a:r>
-            <a:r>
-              <a:rPr lang="en-US" dirty="0" err="1" smtClean="0"/>
-              <a:t>practives</a:t>
+              <a:t>Review </a:t>
+            </a:r>
+            <a:r>
+              <a:rPr lang="en-US" smtClean="0"/>
+              <a:t>of </a:t>
+            </a:r>
+            <a:r>
+              <a:rPr lang="en-US" smtClean="0"/>
+              <a:t>practices</a:t>
             </a:r>
             <a:endParaRPr lang="en-US" dirty="0"/>
           </a:p>
